--- a/3D моделирование для программистов.pptx
+++ b/3D моделирование для программистов.pptx
@@ -8050,15 +8050,7 @@
                   <a:schemeClr val="tx1"/>
                 </a:solidFill>
               </a:rPr>
-              <a:t>редактора</a:t>
-            </a:r>
-            <a:r>
-              <a:rPr lang="ru-RU" sz="2400" dirty="0" smtClean="0">
-                <a:solidFill>
-                  <a:schemeClr val="tx1"/>
-                </a:solidFill>
-              </a:rPr>
-              <a:t> </a:t>
+              <a:t>редактора </a:t>
             </a:r>
             <a:r>
               <a:rPr lang="en-US" sz="2400" dirty="0" err="1">
@@ -8093,15 +8085,7 @@
                   <a:schemeClr val="tx1"/>
                 </a:solidFill>
               </a:rPr>
-              <a:t>трёхмерный </a:t>
-            </a:r>
-            <a:r>
-              <a:rPr lang="ru-RU" sz="2400" dirty="0" smtClean="0">
-                <a:solidFill>
-                  <a:schemeClr val="tx1"/>
-                </a:solidFill>
-              </a:rPr>
-              <a:t>прототип </a:t>
+              <a:t>трёхмерный прототип </a:t>
             </a:r>
             <a:r>
               <a:rPr lang="ru-RU" sz="2400" dirty="0">
@@ -8252,7 +8236,7 @@
           <p:cNvPr id="7" name="Объект 6">
             <a:extLst>
               <a:ext uri="{FF2B5EF4-FFF2-40B4-BE49-F238E27FC236}">
-                <a16:creationId xmlns:a16="http://schemas.microsoft.com/office/drawing/2014/main" xmlns="" id="{28FE0B80-AA04-4FF6-992E-5D1DFA601FAE}"/>
+                <a16:creationId xmlns="" xmlns:a16="http://schemas.microsoft.com/office/drawing/2014/main" id="{28FE0B80-AA04-4FF6-992E-5D1DFA601FAE}"/>
               </a:ext>
             </a:extLst>
           </p:cNvPr>
@@ -8287,7 +8271,7 @@
           <p:cNvPr id="9" name="Объект 8">
             <a:extLst>
               <a:ext uri="{FF2B5EF4-FFF2-40B4-BE49-F238E27FC236}">
-                <a16:creationId xmlns:a16="http://schemas.microsoft.com/office/drawing/2014/main" xmlns="" id="{9B14F69B-D05D-44A1-BC68-5FB7CA03D497}"/>
+                <a16:creationId xmlns="" xmlns:a16="http://schemas.microsoft.com/office/drawing/2014/main" id="{9B14F69B-D05D-44A1-BC68-5FB7CA03D497}"/>
               </a:ext>
             </a:extLst>
           </p:cNvPr>
@@ -8439,7 +8423,7 @@
           <p:cNvPr id="7" name="Объект 6">
             <a:extLst>
               <a:ext uri="{FF2B5EF4-FFF2-40B4-BE49-F238E27FC236}">
-                <a16:creationId xmlns:a16="http://schemas.microsoft.com/office/drawing/2014/main" xmlns="" id="{D740B91A-17E7-48A3-8692-1511801AAEB3}"/>
+                <a16:creationId xmlns="" xmlns:a16="http://schemas.microsoft.com/office/drawing/2014/main" id="{D740B91A-17E7-48A3-8692-1511801AAEB3}"/>
               </a:ext>
             </a:extLst>
           </p:cNvPr>
@@ -8512,7 +8496,7 @@
           <p:cNvPr id="15" name="Объект 14">
             <a:extLst>
               <a:ext uri="{FF2B5EF4-FFF2-40B4-BE49-F238E27FC236}">
-                <a16:creationId xmlns:a16="http://schemas.microsoft.com/office/drawing/2014/main" xmlns="" id="{D32D4351-F657-4B99-AEE0-A8FBDA5A5F55}"/>
+                <a16:creationId xmlns="" xmlns:a16="http://schemas.microsoft.com/office/drawing/2014/main" id="{D32D4351-F657-4B99-AEE0-A8FBDA5A5F55}"/>
               </a:ext>
             </a:extLst>
           </p:cNvPr>
@@ -8598,15 +8582,7 @@
                   <a:schemeClr val="tx1"/>
                 </a:solidFill>
               </a:rPr>
-              <a:t>Этап 3: </a:t>
-            </a:r>
-            <a:r>
-              <a:rPr lang="ru-RU" b="1" dirty="0" smtClean="0">
-                <a:solidFill>
-                  <a:schemeClr val="tx1"/>
-                </a:solidFill>
-              </a:rPr>
-              <a:t>изготовление</a:t>
+              <a:t>Этап 3: изготовление</a:t>
             </a:r>
             <a:r>
               <a:rPr lang="ru-RU" dirty="0" smtClean="0"/>
@@ -8628,7 +8604,7 @@
           <p:cNvPr id="7" name="Объект 6">
             <a:extLst>
               <a:ext uri="{FF2B5EF4-FFF2-40B4-BE49-F238E27FC236}">
-                <a16:creationId xmlns:a16="http://schemas.microsoft.com/office/drawing/2014/main" xmlns="" id="{C29420F9-3B38-4EB4-BC86-4717CFF0BDE9}"/>
+                <a16:creationId xmlns="" xmlns:a16="http://schemas.microsoft.com/office/drawing/2014/main" id="{C29420F9-3B38-4EB4-BC86-4717CFF0BDE9}"/>
               </a:ext>
             </a:extLst>
           </p:cNvPr>
@@ -8760,7 +8736,7 @@
           <p:cNvPr id="2" name="Заголовок 1">
             <a:extLst>
               <a:ext uri="{FF2B5EF4-FFF2-40B4-BE49-F238E27FC236}">
-                <a16:creationId xmlns:a16="http://schemas.microsoft.com/office/drawing/2014/main" xmlns="" id="{63ECFBED-5FCC-4EF7-BC57-435AB77F33B1}"/>
+                <a16:creationId xmlns="" xmlns:a16="http://schemas.microsoft.com/office/drawing/2014/main" id="{63ECFBED-5FCC-4EF7-BC57-435AB77F33B1}"/>
               </a:ext>
             </a:extLst>
           </p:cNvPr>
@@ -8794,7 +8770,7 @@
           <p:cNvPr id="6" name="Объект 5">
             <a:extLst>
               <a:ext uri="{FF2B5EF4-FFF2-40B4-BE49-F238E27FC236}">
-                <a16:creationId xmlns:a16="http://schemas.microsoft.com/office/drawing/2014/main" xmlns="" id="{ABC981E6-7748-4EFA-995F-62E47BE7636B}"/>
+                <a16:creationId xmlns="" xmlns:a16="http://schemas.microsoft.com/office/drawing/2014/main" id="{ABC981E6-7748-4EFA-995F-62E47BE7636B}"/>
               </a:ext>
             </a:extLst>
           </p:cNvPr>
@@ -8813,7 +8789,7 @@
         </p:blipFill>
         <p:spPr>
           <a:xfrm>
-            <a:off x="7068830" y="1531189"/>
+            <a:off x="7895609" y="624110"/>
             <a:ext cx="3609002" cy="4702701"/>
           </a:xfrm>
           <a:prstGeom prst="rect">
@@ -8845,7 +8821,7 @@
         </p:blipFill>
         <p:spPr>
           <a:xfrm>
-            <a:off x="1425421" y="1531189"/>
+            <a:off x="497373" y="2158986"/>
             <a:ext cx="3883558" cy="4864669"/>
           </a:xfrm>
         </p:spPr>
@@ -8902,8 +8878,38 @@
         </p:blipFill>
         <p:spPr>
           <a:xfrm>
-            <a:off x="6029110" y="1337481"/>
+            <a:off x="6294539" y="3013902"/>
             <a:ext cx="5897461" cy="3784938"/>
+          </a:xfrm>
+          <a:prstGeom prst="rect">
+            <a:avLst/>
+          </a:prstGeom>
+        </p:spPr>
+      </p:pic>
+      <p:pic>
+        <p:nvPicPr>
+          <p:cNvPr id="4" name="Рисунок 3"/>
+          <p:cNvPicPr>
+            <a:picLocks noChangeAspect="1"/>
+          </p:cNvPicPr>
+          <p:nvPr/>
+        </p:nvPicPr>
+        <p:blipFill>
+          <a:blip r:embed="rId3">
+            <a:extLst>
+              <a:ext uri="{28A0092B-C50C-407E-A947-70E740481C1C}">
+                <a14:useLocalDpi xmlns:a14="http://schemas.microsoft.com/office/drawing/2010/main" val="0"/>
+              </a:ext>
+            </a:extLst>
+          </a:blip>
+          <a:stretch>
+            <a:fillRect/>
+          </a:stretch>
+        </p:blipFill>
+        <p:spPr>
+          <a:xfrm>
+            <a:off x="145576" y="284287"/>
+            <a:ext cx="5067870" cy="3800903"/>
           </a:xfrm>
           <a:prstGeom prst="rect">
             <a:avLst/>
@@ -8998,11 +9004,6 @@
               </a:rPr>
               <a:t>редактор</a:t>
             </a:r>
-            <a:endParaRPr lang="ru-RU" sz="2400" b="1" dirty="0" smtClean="0">
-              <a:solidFill>
-                <a:schemeClr val="tx1"/>
-              </a:solidFill>
-            </a:endParaRPr>
           </a:p>
           <a:p>
             <a:pPr marL="457200" indent="-457200">
